--- a/Workflows and dataflows.pptx
+++ b/Workflows and dataflows.pptx
@@ -5,19 +5,20 @@
     <p:sldMasterId id="2147483660" r:id="rId1"/>
   </p:sldMasterIdLst>
   <p:notesMasterIdLst>
-    <p:notesMasterId r:id="rId9"/>
+    <p:notesMasterId r:id="rId10"/>
   </p:notesMasterIdLst>
   <p:handoutMasterIdLst>
-    <p:handoutMasterId r:id="rId10"/>
+    <p:handoutMasterId r:id="rId11"/>
   </p:handoutMasterIdLst>
   <p:sldIdLst>
     <p:sldId id="264" r:id="rId2"/>
     <p:sldId id="284" r:id="rId3"/>
     <p:sldId id="281" r:id="rId4"/>
-    <p:sldId id="278" r:id="rId5"/>
-    <p:sldId id="266" r:id="rId6"/>
-    <p:sldId id="285" r:id="rId7"/>
-    <p:sldId id="286" r:id="rId8"/>
+    <p:sldId id="287" r:id="rId5"/>
+    <p:sldId id="278" r:id="rId6"/>
+    <p:sldId id="266" r:id="rId7"/>
+    <p:sldId id="285" r:id="rId8"/>
+    <p:sldId id="286" r:id="rId9"/>
   </p:sldIdLst>
   <p:sldSz cx="12188825" cy="6858000"/>
   <p:notesSz cx="6858000" cy="9144000"/>
@@ -239,7 +240,7 @@
                   <a:schemeClr val="tx2"/>
                 </a:solidFill>
               </a:rPr>
-              <a:t>10/15/2022</a:t>
+              <a:t>12/30/2022</a:t>
             </a:fld>
             <a:endParaRPr>
               <a:solidFill>
@@ -429,7 +430,7 @@
             <a:fld id="{F95CF31C-F757-429C-A789-86504F04C3BE}" type="datetimeFigureOut">
               <a:rPr lang="en-US"/>
               <a:pPr/>
-              <a:t>10/15/2022</a:t>
+              <a:t>12/30/2022</a:t>
             </a:fld>
             <a:endParaRPr/>
           </a:p>
@@ -851,7 +852,7 @@
             <a:fld id="{B8796F01-7154-41E0-B48B-A6921757531A}" type="slidenum">
               <a:rPr lang="en-US" smtClean="0"/>
               <a:pPr/>
-              <a:t>5</a:t>
+              <a:t>6</a:t>
             </a:fld>
             <a:endParaRPr lang="en-US"/>
           </a:p>
@@ -1070,13 +1071,13 @@
   <p:clrMapOvr>
     <a:overrideClrMapping bg1="lt1" tx1="dk1" bg2="lt2" tx2="dk2" accent1="accent1" accent2="accent2" accent3="accent3" accent4="accent4" accent5="accent5" accent6="accent6" hlink="hlink" folHlink="folHlink"/>
   </p:clrMapOvr>
-  <mc:AlternateContent xmlns:mc="http://schemas.openxmlformats.org/markup-compatibility/2006">
-    <mc:Choice xmlns:p159="http://schemas.microsoft.com/office/powerpoint/2015/09/main" Requires="p159">
+  <mc:AlternateContent xmlns:mc="http://schemas.openxmlformats.org/markup-compatibility/2006" xmlns:p159="http://schemas.microsoft.com/office/powerpoint/2015/09/main">
+    <mc:Choice Requires="p159">
       <p:transition xmlns:p14="http://schemas.microsoft.com/office/powerpoint/2010/main" spd="slow" p14:dur="2000">
         <p159:morph option="byObject"/>
       </p:transition>
     </mc:Choice>
-    <mc:Fallback>
+    <mc:Fallback xmlns="">
       <p:transition spd="slow">
         <p:fade/>
       </p:transition>
@@ -1252,13 +1253,13 @@
   <p:clrMapOvr>
     <a:masterClrMapping/>
   </p:clrMapOvr>
-  <mc:AlternateContent xmlns:mc="http://schemas.openxmlformats.org/markup-compatibility/2006">
-    <mc:Choice xmlns:p159="http://schemas.microsoft.com/office/powerpoint/2015/09/main" Requires="p159">
+  <mc:AlternateContent xmlns:mc="http://schemas.openxmlformats.org/markup-compatibility/2006" xmlns:p159="http://schemas.microsoft.com/office/powerpoint/2015/09/main">
+    <mc:Choice Requires="p159">
       <p:transition xmlns:p14="http://schemas.microsoft.com/office/powerpoint/2010/main" spd="slow" p14:dur="2000">
         <p159:morph option="byObject"/>
       </p:transition>
     </mc:Choice>
-    <mc:Fallback>
+    <mc:Fallback xmlns="">
       <p:transition spd="slow">
         <p:fade/>
       </p:transition>
@@ -1444,13 +1445,13 @@
   <p:clrMapOvr>
     <a:masterClrMapping/>
   </p:clrMapOvr>
-  <mc:AlternateContent xmlns:mc="http://schemas.openxmlformats.org/markup-compatibility/2006">
-    <mc:Choice xmlns:p159="http://schemas.microsoft.com/office/powerpoint/2015/09/main" Requires="p159">
+  <mc:AlternateContent xmlns:mc="http://schemas.openxmlformats.org/markup-compatibility/2006" xmlns:p159="http://schemas.microsoft.com/office/powerpoint/2015/09/main">
+    <mc:Choice Requires="p159">
       <p:transition xmlns:p14="http://schemas.microsoft.com/office/powerpoint/2010/main" spd="slow" p14:dur="2000">
         <p159:morph option="byObject"/>
       </p:transition>
     </mc:Choice>
-    <mc:Fallback>
+    <mc:Fallback xmlns="">
       <p:transition spd="slow">
         <p:fade/>
       </p:transition>
@@ -1642,13 +1643,13 @@
   <p:clrMapOvr>
     <a:masterClrMapping/>
   </p:clrMapOvr>
-  <mc:AlternateContent xmlns:mc="http://schemas.openxmlformats.org/markup-compatibility/2006">
-    <mc:Choice xmlns:p159="http://schemas.microsoft.com/office/powerpoint/2015/09/main" Requires="p159">
+  <mc:AlternateContent xmlns:mc="http://schemas.openxmlformats.org/markup-compatibility/2006" xmlns:p159="http://schemas.microsoft.com/office/powerpoint/2015/09/main">
+    <mc:Choice Requires="p159">
       <p:transition xmlns:p14="http://schemas.microsoft.com/office/powerpoint/2010/main" spd="slow" p14:dur="2000">
         <p159:morph option="byObject"/>
       </p:transition>
     </mc:Choice>
-    <mc:Fallback>
+    <mc:Fallback xmlns="">
       <p:transition spd="slow">
         <p:fade/>
       </p:transition>
@@ -1854,13 +1855,13 @@
   <p:clrMapOvr>
     <a:overrideClrMapping bg1="lt1" tx1="dk1" bg2="lt2" tx2="dk2" accent1="accent1" accent2="accent2" accent3="accent3" accent4="accent4" accent5="accent5" accent6="accent6" hlink="hlink" folHlink="folHlink"/>
   </p:clrMapOvr>
-  <mc:AlternateContent xmlns:mc="http://schemas.openxmlformats.org/markup-compatibility/2006">
-    <mc:Choice xmlns:p159="http://schemas.microsoft.com/office/powerpoint/2015/09/main" Requires="p159">
+  <mc:AlternateContent xmlns:mc="http://schemas.openxmlformats.org/markup-compatibility/2006" xmlns:p159="http://schemas.microsoft.com/office/powerpoint/2015/09/main">
+    <mc:Choice Requires="p159">
       <p:transition xmlns:p14="http://schemas.microsoft.com/office/powerpoint/2010/main" spd="slow" p14:dur="2000">
         <p159:morph option="byObject"/>
       </p:transition>
     </mc:Choice>
-    <mc:Fallback>
+    <mc:Fallback xmlns="">
       <p:transition spd="slow">
         <p:fade/>
       </p:transition>
@@ -2159,13 +2160,13 @@
   <p:clrMapOvr>
     <a:masterClrMapping/>
   </p:clrMapOvr>
-  <mc:AlternateContent xmlns:mc="http://schemas.openxmlformats.org/markup-compatibility/2006">
-    <mc:Choice xmlns:p159="http://schemas.microsoft.com/office/powerpoint/2015/09/main" Requires="p159">
+  <mc:AlternateContent xmlns:mc="http://schemas.openxmlformats.org/markup-compatibility/2006" xmlns:p159="http://schemas.microsoft.com/office/powerpoint/2015/09/main">
+    <mc:Choice Requires="p159">
       <p:transition xmlns:p14="http://schemas.microsoft.com/office/powerpoint/2010/main" spd="slow" p14:dur="2000">
         <p159:morph option="byObject"/>
       </p:transition>
     </mc:Choice>
-    <mc:Fallback>
+    <mc:Fallback xmlns="">
       <p:transition spd="slow">
         <p:fade/>
       </p:transition>
@@ -2607,13 +2608,13 @@
   <p:clrMapOvr>
     <a:masterClrMapping/>
   </p:clrMapOvr>
-  <mc:AlternateContent xmlns:mc="http://schemas.openxmlformats.org/markup-compatibility/2006">
-    <mc:Choice xmlns:p159="http://schemas.microsoft.com/office/powerpoint/2015/09/main" Requires="p159">
+  <mc:AlternateContent xmlns:mc="http://schemas.openxmlformats.org/markup-compatibility/2006" xmlns:p159="http://schemas.microsoft.com/office/powerpoint/2015/09/main">
+    <mc:Choice Requires="p159">
       <p:transition xmlns:p14="http://schemas.microsoft.com/office/powerpoint/2010/main" spd="slow" p14:dur="2000">
         <p159:morph option="byObject"/>
       </p:transition>
     </mc:Choice>
-    <mc:Fallback>
+    <mc:Fallback xmlns="">
       <p:transition spd="slow">
         <p:fade/>
       </p:transition>
@@ -2737,13 +2738,13 @@
   <p:clrMapOvr>
     <a:masterClrMapping/>
   </p:clrMapOvr>
-  <mc:AlternateContent xmlns:mc="http://schemas.openxmlformats.org/markup-compatibility/2006">
-    <mc:Choice xmlns:p159="http://schemas.microsoft.com/office/powerpoint/2015/09/main" Requires="p159">
+  <mc:AlternateContent xmlns:mc="http://schemas.openxmlformats.org/markup-compatibility/2006" xmlns:p159="http://schemas.microsoft.com/office/powerpoint/2015/09/main">
+    <mc:Choice Requires="p159">
       <p:transition xmlns:p14="http://schemas.microsoft.com/office/powerpoint/2010/main" spd="slow" p14:dur="2000">
         <p159:morph option="byObject"/>
       </p:transition>
     </mc:Choice>
-    <mc:Fallback>
+    <mc:Fallback xmlns="">
       <p:transition spd="slow">
         <p:fade/>
       </p:transition>
@@ -2844,13 +2845,13 @@
   <p:clrMapOvr>
     <a:masterClrMapping/>
   </p:clrMapOvr>
-  <mc:AlternateContent xmlns:mc="http://schemas.openxmlformats.org/markup-compatibility/2006">
-    <mc:Choice xmlns:p159="http://schemas.microsoft.com/office/powerpoint/2015/09/main" Requires="p159">
+  <mc:AlternateContent xmlns:mc="http://schemas.openxmlformats.org/markup-compatibility/2006" xmlns:p159="http://schemas.microsoft.com/office/powerpoint/2015/09/main">
+    <mc:Choice Requires="p159">
       <p:transition xmlns:p14="http://schemas.microsoft.com/office/powerpoint/2010/main" spd="slow" p14:dur="2000">
         <p159:morph option="byObject"/>
       </p:transition>
     </mc:Choice>
-    <mc:Fallback>
+    <mc:Fallback xmlns="">
       <p:transition spd="slow">
         <p:fade/>
       </p:transition>
@@ -3201,13 +3202,13 @@
   <p:clrMapOvr>
     <a:masterClrMapping/>
   </p:clrMapOvr>
-  <mc:AlternateContent xmlns:mc="http://schemas.openxmlformats.org/markup-compatibility/2006">
-    <mc:Choice xmlns:p159="http://schemas.microsoft.com/office/powerpoint/2015/09/main" Requires="p159">
+  <mc:AlternateContent xmlns:mc="http://schemas.openxmlformats.org/markup-compatibility/2006" xmlns:p159="http://schemas.microsoft.com/office/powerpoint/2015/09/main">
+    <mc:Choice Requires="p159">
       <p:transition xmlns:p14="http://schemas.microsoft.com/office/powerpoint/2010/main" spd="slow" p14:dur="2000">
         <p159:morph option="byObject"/>
       </p:transition>
     </mc:Choice>
-    <mc:Fallback>
+    <mc:Fallback xmlns="">
       <p:transition spd="slow">
         <p:fade/>
       </p:transition>
@@ -3538,13 +3539,13 @@
   <p:clrMapOvr>
     <a:masterClrMapping/>
   </p:clrMapOvr>
-  <mc:AlternateContent xmlns:mc="http://schemas.openxmlformats.org/markup-compatibility/2006">
-    <mc:Choice xmlns:p159="http://schemas.microsoft.com/office/powerpoint/2015/09/main" Requires="p159">
+  <mc:AlternateContent xmlns:mc="http://schemas.openxmlformats.org/markup-compatibility/2006" xmlns:p159="http://schemas.microsoft.com/office/powerpoint/2015/09/main">
+    <mc:Choice Requires="p159">
       <p:transition xmlns:p14="http://schemas.microsoft.com/office/powerpoint/2010/main" spd="slow" p14:dur="2000">
         <p159:morph option="byObject"/>
       </p:transition>
     </mc:Choice>
-    <mc:Fallback>
+    <mc:Fallback xmlns="">
       <p:transition spd="slow">
         <p:fade/>
       </p:transition>
@@ -3881,13 +3882,13 @@
     <p:sldLayoutId id="2147483677" r:id="rId10"/>
     <p:sldLayoutId id="2147483678" r:id="rId11"/>
   </p:sldLayoutIdLst>
-  <mc:AlternateContent xmlns:mc="http://schemas.openxmlformats.org/markup-compatibility/2006">
-    <mc:Choice xmlns:p159="http://schemas.microsoft.com/office/powerpoint/2015/09/main" Requires="p159">
+  <mc:AlternateContent xmlns:mc="http://schemas.openxmlformats.org/markup-compatibility/2006" xmlns:p159="http://schemas.microsoft.com/office/powerpoint/2015/09/main">
+    <mc:Choice Requires="p159">
       <p:transition xmlns:p14="http://schemas.microsoft.com/office/powerpoint/2010/main" spd="slow" p14:dur="2000">
         <p159:morph option="byObject"/>
       </p:transition>
     </mc:Choice>
-    <mc:Fallback>
+    <mc:Fallback xmlns="">
       <p:transition spd="slow">
         <p:fade/>
       </p:transition>
@@ -4274,13 +4275,13 @@
   <p:clrMapOvr>
     <a:masterClrMapping/>
   </p:clrMapOvr>
-  <mc:AlternateContent xmlns:mc="http://schemas.openxmlformats.org/markup-compatibility/2006">
-    <mc:Choice xmlns:p159="http://schemas.microsoft.com/office/powerpoint/2015/09/main" Requires="p159">
+  <mc:AlternateContent xmlns:mc="http://schemas.openxmlformats.org/markup-compatibility/2006" xmlns:p159="http://schemas.microsoft.com/office/powerpoint/2015/09/main">
+    <mc:Choice Requires="p159">
       <p:transition xmlns:p14="http://schemas.microsoft.com/office/powerpoint/2010/main" spd="slow" p14:dur="2000">
         <p159:morph option="byObject"/>
       </p:transition>
     </mc:Choice>
-    <mc:Fallback>
+    <mc:Fallback xmlns="">
       <p:transition spd="slow">
         <p:fade/>
       </p:transition>
@@ -4338,13 +4339,13 @@
   <p:clrMapOvr>
     <a:masterClrMapping/>
   </p:clrMapOvr>
-  <mc:AlternateContent xmlns:mc="http://schemas.openxmlformats.org/markup-compatibility/2006">
-    <mc:Choice xmlns:p159="http://schemas.microsoft.com/office/powerpoint/2015/09/main" Requires="p159">
+  <mc:AlternateContent xmlns:mc="http://schemas.openxmlformats.org/markup-compatibility/2006" xmlns:p159="http://schemas.microsoft.com/office/powerpoint/2015/09/main">
+    <mc:Choice Requires="p159">
       <p:transition xmlns:p14="http://schemas.microsoft.com/office/powerpoint/2010/main" spd="slow" p14:dur="2000">
         <p159:morph option="byObject"/>
       </p:transition>
     </mc:Choice>
-    <mc:Fallback>
+    <mc:Fallback xmlns="">
       <p:transition spd="slow">
         <p:fade/>
       </p:transition>
@@ -4487,13 +4488,13 @@
   <p:clrMapOvr>
     <a:masterClrMapping/>
   </p:clrMapOvr>
-  <mc:AlternateContent xmlns:mc="http://schemas.openxmlformats.org/markup-compatibility/2006">
-    <mc:Choice xmlns:p159="http://schemas.microsoft.com/office/powerpoint/2015/09/main" Requires="p159">
+  <mc:AlternateContent xmlns:mc="http://schemas.openxmlformats.org/markup-compatibility/2006" xmlns:p159="http://schemas.microsoft.com/office/powerpoint/2015/09/main">
+    <mc:Choice Requires="p159">
       <p:transition xmlns:p14="http://schemas.microsoft.com/office/powerpoint/2010/main" spd="slow" p14:dur="2000">
         <p159:morph option="byObject"/>
       </p:transition>
     </mc:Choice>
-    <mc:Fallback>
+    <mc:Fallback xmlns="">
       <p:transition spd="slow">
         <p:fade/>
       </p:transition>
@@ -4503,6 +4504,133 @@
 </file>
 
 <file path=ppt/slides/slide4.xml><?xml version="1.0" encoding="utf-8"?>
+<p:sld xmlns:a="http://schemas.openxmlformats.org/drawingml/2006/main" xmlns:r="http://schemas.openxmlformats.org/officeDocument/2006/relationships" xmlns:p="http://schemas.openxmlformats.org/presentationml/2006/main">
+  <p:cSld>
+    <p:spTree>
+      <p:nvGrpSpPr>
+        <p:cNvPr id="1" name=""/>
+        <p:cNvGrpSpPr/>
+        <p:nvPr/>
+      </p:nvGrpSpPr>
+      <p:grpSpPr>
+        <a:xfrm>
+          <a:off x="0" y="0"/>
+          <a:ext cx="0" cy="0"/>
+          <a:chOff x="0" y="0"/>
+          <a:chExt cx="0" cy="0"/>
+        </a:xfrm>
+      </p:grpSpPr>
+      <p:sp>
+        <p:nvSpPr>
+          <p:cNvPr id="2" name="Title 1">
+            <a:extLst>
+              <a:ext uri="{FF2B5EF4-FFF2-40B4-BE49-F238E27FC236}">
+                <a16:creationId xmlns:a16="http://schemas.microsoft.com/office/drawing/2014/main" id="{8DB8DE10-6666-6860-E170-EC7B521165EA}"/>
+              </a:ext>
+            </a:extLst>
+          </p:cNvPr>
+          <p:cNvSpPr>
+            <a:spLocks noGrp="1"/>
+          </p:cNvSpPr>
+          <p:nvPr>
+            <p:ph type="title"/>
+          </p:nvPr>
+        </p:nvSpPr>
+        <p:spPr/>
+        <p:txBody>
+          <a:bodyPr/>
+          <a:lstStyle/>
+          <a:p>
+            <a:r>
+              <a:rPr lang="en-IN" dirty="0"/>
+              <a:t>DATA FLOW DIAGRAM FOR ADMINISTRATOR LOGIN</a:t>
+            </a:r>
+          </a:p>
+        </p:txBody>
+      </p:sp>
+      <p:pic>
+        <p:nvPicPr>
+          <p:cNvPr id="6" name="Content Placeholder 5">
+            <a:extLst>
+              <a:ext uri="{FF2B5EF4-FFF2-40B4-BE49-F238E27FC236}">
+                <a16:creationId xmlns:a16="http://schemas.microsoft.com/office/drawing/2014/main" id="{85A59B19-05D8-9086-4FC3-1251C879EC3B}"/>
+              </a:ext>
+            </a:extLst>
+          </p:cNvPr>
+          <p:cNvPicPr>
+            <a:picLocks noGrp="1" noChangeAspect="1"/>
+          </p:cNvPicPr>
+          <p:nvPr>
+            <p:ph idx="1"/>
+          </p:nvPr>
+        </p:nvPicPr>
+        <p:blipFill>
+          <a:blip r:embed="rId2"/>
+          <a:stretch>
+            <a:fillRect/>
+          </a:stretch>
+        </p:blipFill>
+        <p:spPr>
+          <a:xfrm>
+            <a:off x="1226249" y="1844824"/>
+            <a:ext cx="9236599" cy="3888432"/>
+          </a:xfrm>
+        </p:spPr>
+      </p:pic>
+      <p:sp>
+        <p:nvSpPr>
+          <p:cNvPr id="4" name="Footer Placeholder 3">
+            <a:extLst>
+              <a:ext uri="{FF2B5EF4-FFF2-40B4-BE49-F238E27FC236}">
+                <a16:creationId xmlns:a16="http://schemas.microsoft.com/office/drawing/2014/main" id="{D86CD6EC-2EEB-6AF6-DA75-BBC0432D620F}"/>
+              </a:ext>
+            </a:extLst>
+          </p:cNvPr>
+          <p:cNvSpPr>
+            <a:spLocks noGrp="1"/>
+          </p:cNvSpPr>
+          <p:nvPr>
+            <p:ph type="ftr" sz="quarter" idx="11"/>
+          </p:nvPr>
+        </p:nvSpPr>
+        <p:spPr/>
+        <p:txBody>
+          <a:bodyPr/>
+          <a:lstStyle/>
+          <a:p>
+            <a:r>
+              <a:rPr lang="en-IN"/>
+              <a:t>Adhithya Sankar</a:t>
+            </a:r>
+          </a:p>
+        </p:txBody>
+      </p:sp>
+    </p:spTree>
+    <p:extLst>
+      <p:ext uri="{BB962C8B-B14F-4D97-AF65-F5344CB8AC3E}">
+        <p14:creationId xmlns:p14="http://schemas.microsoft.com/office/powerpoint/2010/main" val="909756633"/>
+      </p:ext>
+    </p:extLst>
+  </p:cSld>
+  <p:clrMapOvr>
+    <a:masterClrMapping/>
+  </p:clrMapOvr>
+  <mc:AlternateContent xmlns:mc="http://schemas.openxmlformats.org/markup-compatibility/2006" xmlns:p159="http://schemas.microsoft.com/office/powerpoint/2015/09/main">
+    <mc:Choice Requires="p159">
+      <p:transition xmlns:p14="http://schemas.microsoft.com/office/powerpoint/2010/main" spd="slow" p14:dur="2000">
+        <p159:morph option="byObject"/>
+      </p:transition>
+    </mc:Choice>
+    <mc:Fallback xmlns="">
+      <p:transition spd="slow">
+        <p:fade/>
+      </p:transition>
+    </mc:Fallback>
+  </mc:AlternateContent>
+</p:sld>
+</file>
+
+<file path=ppt/slides/slide5.xml><?xml version="1.0" encoding="utf-8"?>
 <p:sld xmlns:a="http://schemas.openxmlformats.org/drawingml/2006/main" xmlns:r="http://schemas.openxmlformats.org/officeDocument/2006/relationships" xmlns:p="http://schemas.openxmlformats.org/presentationml/2006/main">
   <p:cSld>
     <p:spTree>
@@ -4641,77 +4769,13 @@
   <p:clrMapOvr>
     <a:masterClrMapping/>
   </p:clrMapOvr>
-  <mc:AlternateContent xmlns:mc="http://schemas.openxmlformats.org/markup-compatibility/2006">
-    <mc:Choice xmlns:p159="http://schemas.microsoft.com/office/powerpoint/2015/09/main" Requires="p159">
+  <mc:AlternateContent xmlns:mc="http://schemas.openxmlformats.org/markup-compatibility/2006" xmlns:p159="http://schemas.microsoft.com/office/powerpoint/2015/09/main">
+    <mc:Choice Requires="p159">
       <p:transition xmlns:p14="http://schemas.microsoft.com/office/powerpoint/2010/main" spd="slow" p14:dur="2000">
         <p159:morph option="byObject"/>
       </p:transition>
     </mc:Choice>
-    <mc:Fallback>
-      <p:transition spd="slow">
-        <p:fade/>
-      </p:transition>
-    </mc:Fallback>
-  </mc:AlternateContent>
-</p:sld>
-</file>
-
-<file path=ppt/slides/slide5.xml><?xml version="1.0" encoding="utf-8"?>
-<p:sld xmlns:a="http://schemas.openxmlformats.org/drawingml/2006/main" xmlns:r="http://schemas.openxmlformats.org/officeDocument/2006/relationships" xmlns:p="http://schemas.openxmlformats.org/presentationml/2006/main">
-  <p:cSld>
-    <p:spTree>
-      <p:nvGrpSpPr>
-        <p:cNvPr id="1" name=""/>
-        <p:cNvGrpSpPr/>
-        <p:nvPr/>
-      </p:nvGrpSpPr>
-      <p:grpSpPr>
-        <a:xfrm>
-          <a:off x="0" y="0"/>
-          <a:ext cx="0" cy="0"/>
-          <a:chOff x="0" y="0"/>
-          <a:chExt cx="0" cy="0"/>
-        </a:xfrm>
-      </p:grpSpPr>
-      <p:sp>
-        <p:nvSpPr>
-          <p:cNvPr id="2" name="Title 1"/>
-          <p:cNvSpPr>
-            <a:spLocks noGrp="1"/>
-          </p:cNvSpPr>
-          <p:nvPr>
-            <p:ph type="title"/>
-          </p:nvPr>
-        </p:nvSpPr>
-        <p:spPr/>
-        <p:txBody>
-          <a:bodyPr/>
-          <a:lstStyle/>
-          <a:p>
-            <a:r>
-              <a:rPr lang="en-US" dirty="0"/>
-              <a:t>WORKFLOW</a:t>
-            </a:r>
-          </a:p>
-        </p:txBody>
-      </p:sp>
-    </p:spTree>
-    <p:extLst>
-      <p:ext uri="{BB962C8B-B14F-4D97-AF65-F5344CB8AC3E}">
-        <p14:creationId xmlns:p14="http://schemas.microsoft.com/office/powerpoint/2010/main" val="1997697987"/>
-      </p:ext>
-    </p:extLst>
-  </p:cSld>
-  <p:clrMapOvr>
-    <a:masterClrMapping/>
-  </p:clrMapOvr>
-  <mc:AlternateContent xmlns:mc="http://schemas.openxmlformats.org/markup-compatibility/2006">
-    <mc:Choice xmlns:p159="http://schemas.microsoft.com/office/powerpoint/2015/09/main" Requires="p159">
-      <p:transition xmlns:p14="http://schemas.microsoft.com/office/powerpoint/2010/main" spd="slow" p14:dur="2000">
-        <p159:morph option="byObject"/>
-      </p:transition>
-    </mc:Choice>
-    <mc:Fallback>
+    <mc:Fallback xmlns="">
       <p:transition spd="slow">
         <p:fade/>
       </p:transition>
@@ -4747,90 +4811,14 @@
             <p:ph type="title"/>
           </p:nvPr>
         </p:nvSpPr>
-        <p:spPr>
-          <a:xfrm>
-            <a:off x="1117309" y="76200"/>
-            <a:ext cx="10157354" cy="760512"/>
-          </a:xfrm>
-        </p:spPr>
-        <p:txBody>
-          <a:bodyPr>
-            <a:normAutofit/>
-          </a:bodyPr>
-          <a:lstStyle/>
-          <a:p>
-            <a:pPr algn="ctr"/>
-            <a:r>
-              <a:rPr lang="en-US" sz="3600" dirty="0"/>
-              <a:t>Flowchart</a:t>
-            </a:r>
-          </a:p>
-        </p:txBody>
-      </p:sp>
-      <p:pic>
-        <p:nvPicPr>
-          <p:cNvPr id="5" name="Content Placeholder 4">
-            <a:extLst>
-              <a:ext uri="{FF2B5EF4-FFF2-40B4-BE49-F238E27FC236}">
-                <a16:creationId xmlns:a16="http://schemas.microsoft.com/office/drawing/2014/main" id="{F8CF8D75-E589-6EEA-7EC0-DEE49E754180}"/>
-              </a:ext>
-            </a:extLst>
-          </p:cNvPr>
-          <p:cNvPicPr>
-            <a:picLocks noGrp="1" noChangeAspect="1"/>
-          </p:cNvPicPr>
-          <p:nvPr>
-            <p:ph sz="half" idx="1"/>
-          </p:nvPr>
-        </p:nvPicPr>
-        <p:blipFill>
-          <a:blip r:embed="rId2">
-            <a:extLst>
-              <a:ext uri="{28A0092B-C50C-407E-A947-70E740481C1C}">
-                <a14:useLocalDpi xmlns:a14="http://schemas.microsoft.com/office/drawing/2010/main" val="0"/>
-              </a:ext>
-            </a:extLst>
-          </a:blip>
-          <a:stretch>
-            <a:fillRect/>
-          </a:stretch>
-        </p:blipFill>
-        <p:spPr>
-          <a:xfrm>
-            <a:off x="569730" y="887862"/>
-            <a:ext cx="11252511" cy="5607717"/>
-          </a:xfrm>
-        </p:spPr>
-      </p:pic>
-      <p:sp>
-        <p:nvSpPr>
-          <p:cNvPr id="6" name="Footer Placeholder 5">
-            <a:extLst>
-              <a:ext uri="{FF2B5EF4-FFF2-40B4-BE49-F238E27FC236}">
-                <a16:creationId xmlns:a16="http://schemas.microsoft.com/office/drawing/2014/main" id="{4C202D82-D3C4-AD9C-246B-8592845EC968}"/>
-              </a:ext>
-            </a:extLst>
-          </p:cNvPr>
-          <p:cNvSpPr>
-            <a:spLocks noGrp="1"/>
-          </p:cNvSpPr>
-          <p:nvPr>
-            <p:ph type="ftr" sz="quarter" idx="11"/>
-          </p:nvPr>
-        </p:nvSpPr>
-        <p:spPr>
-          <a:xfrm>
-            <a:off x="3934172" y="6546729"/>
-            <a:ext cx="6216301" cy="320675"/>
-          </a:xfrm>
-        </p:spPr>
+        <p:spPr/>
         <p:txBody>
           <a:bodyPr/>
           <a:lstStyle/>
           <a:p>
             <a:r>
-              <a:rPr lang="en-IN" dirty="0"/>
-              <a:t>Adhithya Sankar</a:t>
+              <a:rPr lang="en-US" dirty="0"/>
+              <a:t>WORKFLOW</a:t>
             </a:r>
           </a:p>
         </p:txBody>
@@ -4838,19 +4826,23 @@
     </p:spTree>
     <p:extLst>
       <p:ext uri="{BB962C8B-B14F-4D97-AF65-F5344CB8AC3E}">
-        <p14:creationId xmlns:p14="http://schemas.microsoft.com/office/powerpoint/2010/main" val="1711354472"/>
+        <p14:creationId xmlns:p14="http://schemas.microsoft.com/office/powerpoint/2010/main" val="1997697987"/>
       </p:ext>
     </p:extLst>
   </p:cSld>
   <p:clrMapOvr>
     <a:masterClrMapping/>
   </p:clrMapOvr>
-  <mc:AlternateContent xmlns:mc="http://schemas.openxmlformats.org/markup-compatibility/2006">
-    <mc:Choice xmlns:p14="http://schemas.microsoft.com/office/powerpoint/2010/main" Requires="p14">
-      <p:transition p14:dur="0"/>
+  <mc:AlternateContent xmlns:mc="http://schemas.openxmlformats.org/markup-compatibility/2006" xmlns:p159="http://schemas.microsoft.com/office/powerpoint/2015/09/main">
+    <mc:Choice Requires="p159">
+      <p:transition xmlns:p14="http://schemas.microsoft.com/office/powerpoint/2010/main" spd="slow" p14:dur="2000">
+        <p159:morph option="byObject"/>
+      </p:transition>
     </mc:Choice>
-    <mc:Fallback>
-      <p:transition/>
+    <mc:Fallback xmlns="">
+      <p:transition spd="slow">
+        <p:fade/>
+      </p:transition>
     </mc:Fallback>
   </mc:AlternateContent>
 </p:sld>
@@ -4875,6 +4867,142 @@
       </p:grpSpPr>
       <p:sp>
         <p:nvSpPr>
+          <p:cNvPr id="2" name="Title 1"/>
+          <p:cNvSpPr>
+            <a:spLocks noGrp="1"/>
+          </p:cNvSpPr>
+          <p:nvPr>
+            <p:ph type="title"/>
+          </p:nvPr>
+        </p:nvSpPr>
+        <p:spPr>
+          <a:xfrm>
+            <a:off x="1117309" y="76200"/>
+            <a:ext cx="10157354" cy="760512"/>
+          </a:xfrm>
+        </p:spPr>
+        <p:txBody>
+          <a:bodyPr>
+            <a:normAutofit/>
+          </a:bodyPr>
+          <a:lstStyle/>
+          <a:p>
+            <a:pPr algn="ctr"/>
+            <a:r>
+              <a:rPr lang="en-US" sz="3600" dirty="0"/>
+              <a:t>Flowchart</a:t>
+            </a:r>
+          </a:p>
+        </p:txBody>
+      </p:sp>
+      <p:pic>
+        <p:nvPicPr>
+          <p:cNvPr id="5" name="Content Placeholder 4">
+            <a:extLst>
+              <a:ext uri="{FF2B5EF4-FFF2-40B4-BE49-F238E27FC236}">
+                <a16:creationId xmlns:a16="http://schemas.microsoft.com/office/drawing/2014/main" id="{F8CF8D75-E589-6EEA-7EC0-DEE49E754180}"/>
+              </a:ext>
+            </a:extLst>
+          </p:cNvPr>
+          <p:cNvPicPr>
+            <a:picLocks noGrp="1" noChangeAspect="1"/>
+          </p:cNvPicPr>
+          <p:nvPr>
+            <p:ph sz="half" idx="1"/>
+          </p:nvPr>
+        </p:nvPicPr>
+        <p:blipFill>
+          <a:blip r:embed="rId2">
+            <a:extLst>
+              <a:ext uri="{28A0092B-C50C-407E-A947-70E740481C1C}">
+                <a14:useLocalDpi xmlns:a14="http://schemas.microsoft.com/office/drawing/2010/main" val="0"/>
+              </a:ext>
+            </a:extLst>
+          </a:blip>
+          <a:stretch>
+            <a:fillRect/>
+          </a:stretch>
+        </p:blipFill>
+        <p:spPr>
+          <a:xfrm>
+            <a:off x="569730" y="887862"/>
+            <a:ext cx="11252511" cy="5607717"/>
+          </a:xfrm>
+        </p:spPr>
+      </p:pic>
+      <p:sp>
+        <p:nvSpPr>
+          <p:cNvPr id="6" name="Footer Placeholder 5">
+            <a:extLst>
+              <a:ext uri="{FF2B5EF4-FFF2-40B4-BE49-F238E27FC236}">
+                <a16:creationId xmlns:a16="http://schemas.microsoft.com/office/drawing/2014/main" id="{4C202D82-D3C4-AD9C-246B-8592845EC968}"/>
+              </a:ext>
+            </a:extLst>
+          </p:cNvPr>
+          <p:cNvSpPr>
+            <a:spLocks noGrp="1"/>
+          </p:cNvSpPr>
+          <p:nvPr>
+            <p:ph type="ftr" sz="quarter" idx="11"/>
+          </p:nvPr>
+        </p:nvSpPr>
+        <p:spPr>
+          <a:xfrm>
+            <a:off x="3934172" y="6546729"/>
+            <a:ext cx="6216301" cy="320675"/>
+          </a:xfrm>
+        </p:spPr>
+        <p:txBody>
+          <a:bodyPr/>
+          <a:lstStyle/>
+          <a:p>
+            <a:r>
+              <a:rPr lang="en-IN" dirty="0"/>
+              <a:t>Adhithya Sankar</a:t>
+            </a:r>
+          </a:p>
+        </p:txBody>
+      </p:sp>
+    </p:spTree>
+    <p:extLst>
+      <p:ext uri="{BB962C8B-B14F-4D97-AF65-F5344CB8AC3E}">
+        <p14:creationId xmlns:p14="http://schemas.microsoft.com/office/powerpoint/2010/main" val="1711354472"/>
+      </p:ext>
+    </p:extLst>
+  </p:cSld>
+  <p:clrMapOvr>
+    <a:masterClrMapping/>
+  </p:clrMapOvr>
+  <mc:AlternateContent xmlns:mc="http://schemas.openxmlformats.org/markup-compatibility/2006" xmlns:p14="http://schemas.microsoft.com/office/powerpoint/2010/main">
+    <mc:Choice Requires="p14">
+      <p:transition p14:dur="0"/>
+    </mc:Choice>
+    <mc:Fallback xmlns="">
+      <p:transition/>
+    </mc:Fallback>
+  </mc:AlternateContent>
+</p:sld>
+</file>
+
+<file path=ppt/slides/slide8.xml><?xml version="1.0" encoding="utf-8"?>
+<p:sld xmlns:a="http://schemas.openxmlformats.org/drawingml/2006/main" xmlns:r="http://schemas.openxmlformats.org/officeDocument/2006/relationships" xmlns:p="http://schemas.openxmlformats.org/presentationml/2006/main">
+  <p:cSld>
+    <p:spTree>
+      <p:nvGrpSpPr>
+        <p:cNvPr id="1" name=""/>
+        <p:cNvGrpSpPr/>
+        <p:nvPr/>
+      </p:nvGrpSpPr>
+      <p:grpSpPr>
+        <a:xfrm>
+          <a:off x="0" y="0"/>
+          <a:ext cx="0" cy="0"/>
+          <a:chOff x="0" y="0"/>
+          <a:chExt cx="0" cy="0"/>
+        </a:xfrm>
+      </p:grpSpPr>
+      <p:sp>
+        <p:nvSpPr>
           <p:cNvPr id="3" name="Content Placeholder 2">
             <a:extLst>
               <a:ext uri="{FF2B5EF4-FFF2-40B4-BE49-F238E27FC236}">
@@ -4949,13 +5077,13 @@
   <p:clrMapOvr>
     <a:masterClrMapping/>
   </p:clrMapOvr>
-  <mc:AlternateContent xmlns:mc="http://schemas.openxmlformats.org/markup-compatibility/2006">
-    <mc:Choice xmlns:p159="http://schemas.microsoft.com/office/powerpoint/2015/09/main" Requires="p159">
+  <mc:AlternateContent xmlns:mc="http://schemas.openxmlformats.org/markup-compatibility/2006" xmlns:p159="http://schemas.microsoft.com/office/powerpoint/2015/09/main">
+    <mc:Choice Requires="p159">
       <p:transition xmlns:p14="http://schemas.microsoft.com/office/powerpoint/2010/main" spd="slow" p14:dur="2000">
         <p159:morph option="byObject"/>
       </p:transition>
     </mc:Choice>
-    <mc:Fallback>
+    <mc:Fallback xmlns="">
       <p:transition spd="slow">
         <p:fade/>
       </p:transition>
